--- a/Documentation/JustCodePresentation.pptx
+++ b/Documentation/JustCodePresentation.pptx
@@ -254,7 +254,64 @@
       </a:defRPr>
     </a:lvl9pPr>
   </p:defaultTextStyle>
+  <p:extLst>
+    <p:ext uri="{EFAFB233-063F-42B5-8137-9DF3F51BA10A}">
+      <p15:sldGuideLst xmlns:p15="http://schemas.microsoft.com/office/powerpoint/2012/main"/>
+    </p:ext>
+  </p:extLst>
 </p:presentation>
+</file>
+
+<file path=ppt/revisionInfo.xml><?xml version="1.0" encoding="utf-8"?>
+<p1510:revInfo xmlns:a="http://schemas.openxmlformats.org/drawingml/2006/main" xmlns:r="http://schemas.openxmlformats.org/officeDocument/2006/relationships" xmlns:p1510="http://schemas.microsoft.com/office/powerpoint/2015/10/main">
+  <p1510:revLst>
+    <p1510:client id="{2A655039-09B5-4577-A3D0-8FFA372301A5}" v="5" dt="2022-12-14T02:37:16.721"/>
+  </p1510:revLst>
+</p1510:revInfo>
+</file>
+
+<file path=ppt/changesInfos/changesInfo1.xml><?xml version="1.0" encoding="utf-8"?>
+<pc:chgInfo xmlns:a="http://schemas.openxmlformats.org/drawingml/2006/main" xmlns:r="http://schemas.openxmlformats.org/officeDocument/2006/relationships" xmlns:ac="http://schemas.microsoft.com/office/drawing/2013/main/command" xmlns:pc="http://schemas.microsoft.com/office/powerpoint/2013/main/command">
+  <pc:docChgLst>
+    <pc:chgData name="Божидар Димов" userId="6c33bdc79629dce9" providerId="LiveId" clId="{2A655039-09B5-4577-A3D0-8FFA372301A5}"/>
+    <pc:docChg chg="custSel modSld sldOrd">
+      <pc:chgData name="Божидар Димов" userId="6c33bdc79629dce9" providerId="LiveId" clId="{2A655039-09B5-4577-A3D0-8FFA372301A5}" dt="2022-12-14T02:37:54.418" v="10"/>
+      <pc:docMkLst>
+        <pc:docMk/>
+      </pc:docMkLst>
+      <pc:sldChg chg="ord">
+        <pc:chgData name="Божидар Димов" userId="6c33bdc79629dce9" providerId="LiveId" clId="{2A655039-09B5-4577-A3D0-8FFA372301A5}" dt="2022-12-14T02:37:54.418" v="10"/>
+        <pc:sldMkLst>
+          <pc:docMk/>
+          <pc:sldMk cId="0" sldId="260"/>
+        </pc:sldMkLst>
+      </pc:sldChg>
+      <pc:sldChg chg="addSp delSp modSp mod">
+        <pc:chgData name="Божидар Димов" userId="6c33bdc79629dce9" providerId="LiveId" clId="{2A655039-09B5-4577-A3D0-8FFA372301A5}" dt="2022-12-14T02:36:17.663" v="8" actId="1076"/>
+        <pc:sldMkLst>
+          <pc:docMk/>
+          <pc:sldMk cId="0" sldId="261"/>
+        </pc:sldMkLst>
+        <pc:picChg chg="del">
+          <ac:chgData name="Божидар Димов" userId="6c33bdc79629dce9" providerId="LiveId" clId="{2A655039-09B5-4577-A3D0-8FFA372301A5}" dt="2022-12-14T02:35:48.734" v="0" actId="21"/>
+          <ac:picMkLst>
+            <pc:docMk/>
+            <pc:sldMk cId="0" sldId="261"/>
+            <ac:picMk id="3" creationId="{2EFB6F29-8DE8-A7EF-9127-020ACB097406}"/>
+          </ac:picMkLst>
+        </pc:picChg>
+        <pc:picChg chg="add mod">
+          <ac:chgData name="Божидар Димов" userId="6c33bdc79629dce9" providerId="LiveId" clId="{2A655039-09B5-4577-A3D0-8FFA372301A5}" dt="2022-12-14T02:36:17.663" v="8" actId="1076"/>
+          <ac:picMkLst>
+            <pc:docMk/>
+            <pc:sldMk cId="0" sldId="261"/>
+            <ac:picMk id="4" creationId="{06AFA9EF-71C5-43D7-EFC2-D7C25F0116AA}"/>
+          </ac:picMkLst>
+        </pc:picChg>
+      </pc:sldChg>
+    </pc:docChg>
+  </pc:docChgLst>
+</pc:chgInfo>
 </file>
 
 <file path=ppt/notesMasters/notesMaster1.xml><?xml version="1.0" encoding="utf-8"?>
@@ -19649,10 +19706,10 @@
       </p:sp>
       <p:pic>
         <p:nvPicPr>
-          <p:cNvPr id="3" name="Picture 2" descr="Diagram&#10;&#10;Description automatically generated">
+          <p:cNvPr id="4" name="Picture 3" descr="Diagram&#10;&#10;Description automatically generated">
             <a:extLst>
               <a:ext uri="{FF2B5EF4-FFF2-40B4-BE49-F238E27FC236}">
-                <a16:creationId xmlns:a16="http://schemas.microsoft.com/office/drawing/2014/main" id="{2EFB6F29-8DE8-A7EF-9127-020ACB097406}"/>
+                <a16:creationId xmlns:a16="http://schemas.microsoft.com/office/drawing/2014/main" id="{06AFA9EF-71C5-43D7-EFC2-D7C25F0116AA}"/>
               </a:ext>
             </a:extLst>
           </p:cNvPr>
@@ -19669,8 +19726,8 @@
         </p:blipFill>
         <p:spPr>
           <a:xfrm>
-            <a:off x="2591665" y="1441553"/>
-            <a:ext cx="4266335" cy="2550047"/>
+            <a:off x="1953090" y="1168950"/>
+            <a:ext cx="5679957" cy="2843999"/>
           </a:xfrm>
           <a:prstGeom prst="rect">
             <a:avLst/>
